--- a/Air Quality Device Presentaion.pptx
+++ b/Air Quality Device Presentaion.pptx
@@ -152,6 +152,146 @@
 </p:presentation>
 </file>
 
+<file path=ppt/changesInfos/changesInfo1.xml><?xml version="1.0" encoding="utf-8"?>
+<pc:chgInfo xmlns:a="http://schemas.openxmlformats.org/drawingml/2006/main" xmlns:r="http://schemas.openxmlformats.org/officeDocument/2006/relationships" xmlns:ac="http://schemas.microsoft.com/office/drawing/2013/main/command" xmlns:pc="http://schemas.microsoft.com/office/powerpoint/2013/main/command">
+  <pc:docChgLst>
+    <pc:chgData name="Abhishek Patel" userId="fd1f50146d4f2af1" providerId="LiveId" clId="{B5418EE6-AA06-4B04-88F6-B1DC1372D287}"/>
+    <pc:docChg chg="modSld">
+      <pc:chgData name="Abhishek Patel" userId="fd1f50146d4f2af1" providerId="LiveId" clId="{B5418EE6-AA06-4B04-88F6-B1DC1372D287}" dt="2023-06-23T09:10:20.291" v="13" actId="1076"/>
+      <pc:docMkLst>
+        <pc:docMk/>
+      </pc:docMkLst>
+      <pc:sldChg chg="modSp mod">
+        <pc:chgData name="Abhishek Patel" userId="fd1f50146d4f2af1" providerId="LiveId" clId="{B5418EE6-AA06-4B04-88F6-B1DC1372D287}" dt="2023-06-23T09:08:05.161" v="7" actId="1076"/>
+        <pc:sldMkLst>
+          <pc:docMk/>
+          <pc:sldMk cId="0" sldId="270"/>
+        </pc:sldMkLst>
+        <pc:spChg chg="mod">
+          <ac:chgData name="Abhishek Patel" userId="fd1f50146d4f2af1" providerId="LiveId" clId="{B5418EE6-AA06-4B04-88F6-B1DC1372D287}" dt="2023-06-23T09:07:35.458" v="2" actId="1076"/>
+          <ac:spMkLst>
+            <pc:docMk/>
+            <pc:sldMk cId="0" sldId="270"/>
+            <ac:spMk id="5" creationId="{00000000-0000-0000-0000-000000000000}"/>
+          </ac:spMkLst>
+        </pc:spChg>
+        <pc:spChg chg="mod">
+          <ac:chgData name="Abhishek Patel" userId="fd1f50146d4f2af1" providerId="LiveId" clId="{B5418EE6-AA06-4B04-88F6-B1DC1372D287}" dt="2023-06-23T09:07:29.140" v="1" actId="1076"/>
+          <ac:spMkLst>
+            <pc:docMk/>
+            <pc:sldMk cId="0" sldId="270"/>
+            <ac:spMk id="7" creationId="{00000000-0000-0000-0000-000000000000}"/>
+          </ac:spMkLst>
+        </pc:spChg>
+        <pc:spChg chg="mod">
+          <ac:chgData name="Abhishek Patel" userId="fd1f50146d4f2af1" providerId="LiveId" clId="{B5418EE6-AA06-4B04-88F6-B1DC1372D287}" dt="2023-06-23T09:07:23.612" v="0" actId="1076"/>
+          <ac:spMkLst>
+            <pc:docMk/>
+            <pc:sldMk cId="0" sldId="270"/>
+            <ac:spMk id="9" creationId="{00000000-0000-0000-0000-000000000000}"/>
+          </ac:spMkLst>
+        </pc:spChg>
+        <pc:spChg chg="mod">
+          <ac:chgData name="Abhishek Patel" userId="fd1f50146d4f2af1" providerId="LiveId" clId="{B5418EE6-AA06-4B04-88F6-B1DC1372D287}" dt="2023-06-23T09:07:40.239" v="3" actId="1076"/>
+          <ac:spMkLst>
+            <pc:docMk/>
+            <pc:sldMk cId="0" sldId="270"/>
+            <ac:spMk id="10" creationId="{00000000-0000-0000-0000-000000000000}"/>
+          </ac:spMkLst>
+        </pc:spChg>
+        <pc:spChg chg="mod">
+          <ac:chgData name="Abhishek Patel" userId="fd1f50146d4f2af1" providerId="LiveId" clId="{B5418EE6-AA06-4B04-88F6-B1DC1372D287}" dt="2023-06-23T09:07:49.230" v="4" actId="1076"/>
+          <ac:spMkLst>
+            <pc:docMk/>
+            <pc:sldMk cId="0" sldId="270"/>
+            <ac:spMk id="13" creationId="{00000000-0000-0000-0000-000000000000}"/>
+          </ac:spMkLst>
+        </pc:spChg>
+        <pc:spChg chg="mod">
+          <ac:chgData name="Abhishek Patel" userId="fd1f50146d4f2af1" providerId="LiveId" clId="{B5418EE6-AA06-4B04-88F6-B1DC1372D287}" dt="2023-06-23T09:07:55.687" v="5" actId="1076"/>
+          <ac:spMkLst>
+            <pc:docMk/>
+            <pc:sldMk cId="0" sldId="270"/>
+            <ac:spMk id="14" creationId="{00000000-0000-0000-0000-000000000000}"/>
+          </ac:spMkLst>
+        </pc:spChg>
+        <pc:spChg chg="mod">
+          <ac:chgData name="Abhishek Patel" userId="fd1f50146d4f2af1" providerId="LiveId" clId="{B5418EE6-AA06-4B04-88F6-B1DC1372D287}" dt="2023-06-23T09:08:00.946" v="6" actId="1076"/>
+          <ac:spMkLst>
+            <pc:docMk/>
+            <pc:sldMk cId="0" sldId="270"/>
+            <ac:spMk id="16" creationId="{00000000-0000-0000-0000-000000000000}"/>
+          </ac:spMkLst>
+        </pc:spChg>
+        <pc:spChg chg="mod">
+          <ac:chgData name="Abhishek Patel" userId="fd1f50146d4f2af1" providerId="LiveId" clId="{B5418EE6-AA06-4B04-88F6-B1DC1372D287}" dt="2023-06-23T09:08:05.161" v="7" actId="1076"/>
+          <ac:spMkLst>
+            <pc:docMk/>
+            <pc:sldMk cId="0" sldId="270"/>
+            <ac:spMk id="18" creationId="{00000000-0000-0000-0000-000000000000}"/>
+          </ac:spMkLst>
+        </pc:spChg>
+      </pc:sldChg>
+      <pc:sldChg chg="modSp mod">
+        <pc:chgData name="Abhishek Patel" userId="fd1f50146d4f2af1" providerId="LiveId" clId="{B5418EE6-AA06-4B04-88F6-B1DC1372D287}" dt="2023-06-23T09:10:20.291" v="13" actId="1076"/>
+        <pc:sldMkLst>
+          <pc:docMk/>
+          <pc:sldMk cId="0" sldId="271"/>
+        </pc:sldMkLst>
+        <pc:spChg chg="mod">
+          <ac:chgData name="Abhishek Patel" userId="fd1f50146d4f2af1" providerId="LiveId" clId="{B5418EE6-AA06-4B04-88F6-B1DC1372D287}" dt="2023-06-23T09:09:49.605" v="8" actId="1076"/>
+          <ac:spMkLst>
+            <pc:docMk/>
+            <pc:sldMk cId="0" sldId="271"/>
+            <ac:spMk id="4" creationId="{00000000-0000-0000-0000-000000000000}"/>
+          </ac:spMkLst>
+        </pc:spChg>
+        <pc:spChg chg="mod">
+          <ac:chgData name="Abhishek Patel" userId="fd1f50146d4f2af1" providerId="LiveId" clId="{B5418EE6-AA06-4B04-88F6-B1DC1372D287}" dt="2023-06-23T09:09:56.503" v="9" actId="1076"/>
+          <ac:spMkLst>
+            <pc:docMk/>
+            <pc:sldMk cId="0" sldId="271"/>
+            <ac:spMk id="6" creationId="{00000000-0000-0000-0000-000000000000}"/>
+          </ac:spMkLst>
+        </pc:spChg>
+        <pc:spChg chg="mod">
+          <ac:chgData name="Abhishek Patel" userId="fd1f50146d4f2af1" providerId="LiveId" clId="{B5418EE6-AA06-4B04-88F6-B1DC1372D287}" dt="2023-06-23T09:10:01.001" v="10" actId="1076"/>
+          <ac:spMkLst>
+            <pc:docMk/>
+            <pc:sldMk cId="0" sldId="271"/>
+            <ac:spMk id="8" creationId="{00000000-0000-0000-0000-000000000000}"/>
+          </ac:spMkLst>
+        </pc:spChg>
+        <pc:spChg chg="mod">
+          <ac:chgData name="Abhishek Patel" userId="fd1f50146d4f2af1" providerId="LiveId" clId="{B5418EE6-AA06-4B04-88F6-B1DC1372D287}" dt="2023-06-23T09:10:06.374" v="11" actId="1076"/>
+          <ac:spMkLst>
+            <pc:docMk/>
+            <pc:sldMk cId="0" sldId="271"/>
+            <ac:spMk id="10" creationId="{00000000-0000-0000-0000-000000000000}"/>
+          </ac:spMkLst>
+        </pc:spChg>
+        <pc:spChg chg="mod">
+          <ac:chgData name="Abhishek Patel" userId="fd1f50146d4f2af1" providerId="LiveId" clId="{B5418EE6-AA06-4B04-88F6-B1DC1372D287}" dt="2023-06-23T09:10:16.062" v="12" actId="1076"/>
+          <ac:spMkLst>
+            <pc:docMk/>
+            <pc:sldMk cId="0" sldId="271"/>
+            <ac:spMk id="11" creationId="{00000000-0000-0000-0000-000000000000}"/>
+          </ac:spMkLst>
+        </pc:spChg>
+        <pc:spChg chg="mod">
+          <ac:chgData name="Abhishek Patel" userId="fd1f50146d4f2af1" providerId="LiveId" clId="{B5418EE6-AA06-4B04-88F6-B1DC1372D287}" dt="2023-06-23T09:10:20.291" v="13" actId="1076"/>
+          <ac:spMkLst>
+            <pc:docMk/>
+            <pc:sldMk cId="0" sldId="271"/>
+            <ac:spMk id="12" creationId="{00000000-0000-0000-0000-000000000000}"/>
+          </ac:spMkLst>
+        </pc:spChg>
+      </pc:sldChg>
+    </pc:docChg>
+  </pc:docChgLst>
+</pc:chgInfo>
+</file>
+
 <file path=ppt/slideLayouts/slideLayout1.xml><?xml version="1.0" encoding="utf-8"?>
 <p:sldLayout xmlns:a="http://schemas.openxmlformats.org/drawingml/2006/main" xmlns:r="http://schemas.openxmlformats.org/officeDocument/2006/relationships" xmlns:p="http://schemas.openxmlformats.org/presentationml/2006/main" type="obj" preserve="1">
   <p:cSld name="Title Slide">
@@ -291,7 +431,7 @@
           <a:p>
             <a:fld id="{1D8BD707-D9CF-40AE-B4C6-C98DA3205C09}" type="datetimeFigureOut">
               <a:rPr lang="en-US"/>
-              <a:t>4/6/2023</a:t>
+              <a:t>6/23/2023</a:t>
             </a:fld>
             <a:endParaRPr lang="en-US"/>
           </a:p>
@@ -477,7 +617,7 @@
           <a:p>
             <a:fld id="{1D8BD707-D9CF-40AE-B4C6-C98DA3205C09}" type="datetimeFigureOut">
               <a:rPr lang="en-US"/>
-              <a:t>4/6/2023</a:t>
+              <a:t>6/23/2023</a:t>
             </a:fld>
             <a:endParaRPr lang="en-US"/>
           </a:p>
@@ -700,7 +840,7 @@
           <a:p>
             <a:fld id="{1D8BD707-D9CF-40AE-B4C6-C98DA3205C09}" type="datetimeFigureOut">
               <a:rPr lang="en-US"/>
-              <a:t>4/6/2023</a:t>
+              <a:t>6/23/2023</a:t>
             </a:fld>
             <a:endParaRPr lang="en-US"/>
           </a:p>
@@ -857,7 +997,7 @@
           <a:p>
             <a:fld id="{1D8BD707-D9CF-40AE-B4C6-C98DA3205C09}" type="datetimeFigureOut">
               <a:rPr lang="en-US"/>
-              <a:t>4/6/2023</a:t>
+              <a:t>6/23/2023</a:t>
             </a:fld>
             <a:endParaRPr lang="en-US"/>
           </a:p>
@@ -985,7 +1125,7 @@
           <a:p>
             <a:fld id="{1D8BD707-D9CF-40AE-B4C6-C98DA3205C09}" type="datetimeFigureOut">
               <a:rPr lang="en-US"/>
-              <a:t>4/6/2023</a:t>
+              <a:t>6/23/2023</a:t>
             </a:fld>
             <a:endParaRPr lang="en-US"/>
           </a:p>
@@ -1219,7 +1359,7 @@
           <a:p>
             <a:fld id="{1D8BD707-D9CF-40AE-B4C6-C98DA3205C09}" type="datetimeFigureOut">
               <a:rPr lang="en-US"/>
-              <a:t>4/6/2023</a:t>
+              <a:t>6/23/2023</a:t>
             </a:fld>
             <a:endParaRPr lang="en-US"/>
           </a:p>
@@ -9783,7 +9923,7 @@
         </p:nvSpPr>
         <p:spPr>
           <a:xfrm>
-            <a:off x="7333117" y="1319530"/>
+            <a:off x="6398505" y="1335372"/>
             <a:ext cx="3665854" cy="666115"/>
           </a:xfrm>
           <a:prstGeom prst="rect">
@@ -9853,7 +9993,7 @@
               </a:rPr>
               <a:t>LCD</a:t>
             </a:r>
-            <a:endParaRPr sz="1400">
+            <a:endParaRPr sz="1400" dirty="0">
               <a:latin typeface="Consolas"/>
               <a:cs typeface="Consolas"/>
             </a:endParaRPr>
@@ -9927,10 +10067,6 @@
               </a:rPr>
               <a:t> Arduino</a:t>
             </a:r>
-            <a:endParaRPr sz="1400">
-              <a:latin typeface="Consolas"/>
-              <a:cs typeface="Consolas"/>
-            </a:endParaRPr>
           </a:p>
           <a:p>
             <a:pPr marL="405765">
@@ -9987,10 +10123,6 @@
               </a:rPr>
               <a:t>LiquidCrystal</a:t>
             </a:r>
-            <a:endParaRPr sz="1400">
-              <a:latin typeface="Consolas"/>
-              <a:cs typeface="Consolas"/>
-            </a:endParaRPr>
           </a:p>
         </p:txBody>
       </p:sp>
@@ -10094,7 +10226,7 @@
         </p:nvSpPr>
         <p:spPr>
           <a:xfrm>
-            <a:off x="7530295" y="2173351"/>
+            <a:off x="3754309" y="2188811"/>
             <a:ext cx="2681605" cy="452755"/>
           </a:xfrm>
           <a:prstGeom prst="rect">
@@ -10345,7 +10477,7 @@
         </p:nvSpPr>
         <p:spPr>
           <a:xfrm>
-            <a:off x="7530469" y="2811907"/>
+            <a:off x="4953000" y="2782144"/>
             <a:ext cx="3665854" cy="239395"/>
           </a:xfrm>
           <a:prstGeom prst="rect">
@@ -10472,7 +10604,7 @@
         </p:nvSpPr>
         <p:spPr>
           <a:xfrm>
-            <a:off x="7530330" y="3240151"/>
+            <a:off x="4802930" y="3191880"/>
             <a:ext cx="3272154" cy="239395"/>
           </a:xfrm>
           <a:prstGeom prst="rect">
@@ -10656,10 +10788,6 @@
               </a:rPr>
               <a:t>(buz,OUTPUT);</a:t>
             </a:r>
-            <a:endParaRPr sz="1400">
-              <a:latin typeface="Consolas"/>
-              <a:cs typeface="Consolas"/>
-            </a:endParaRPr>
           </a:p>
           <a:p>
             <a:pPr marL="12700">
@@ -10677,10 +10805,6 @@
               </a:rPr>
               <a:t>Arduino</a:t>
             </a:r>
-            <a:endParaRPr sz="1400">
-              <a:latin typeface="Consolas"/>
-              <a:cs typeface="Consolas"/>
-            </a:endParaRPr>
           </a:p>
           <a:p>
             <a:pPr marL="12700" marR="5080" indent="196215">
@@ -10712,10 +10836,6 @@
               </a:rPr>
               <a:t>arduino</a:t>
             </a:r>
-            <a:endParaRPr sz="1400">
-              <a:latin typeface="Consolas"/>
-              <a:cs typeface="Consolas"/>
-            </a:endParaRPr>
           </a:p>
         </p:txBody>
       </p:sp>
@@ -10727,7 +10847,7 @@
         </p:nvSpPr>
         <p:spPr>
           <a:xfrm>
-            <a:off x="7530361" y="4092321"/>
+            <a:off x="5263963" y="4116830"/>
             <a:ext cx="3665854" cy="239395"/>
           </a:xfrm>
           <a:prstGeom prst="rect">
@@ -10797,10 +10917,6 @@
               </a:rPr>
               <a:t>as Output from</a:t>
             </a:r>
-            <a:endParaRPr sz="1400">
-              <a:latin typeface="Consolas"/>
-              <a:cs typeface="Consolas"/>
-            </a:endParaRPr>
           </a:p>
         </p:txBody>
       </p:sp>
@@ -10812,7 +10928,7 @@
         </p:nvSpPr>
         <p:spPr>
           <a:xfrm>
-            <a:off x="7530326" y="4519040"/>
+            <a:off x="5149850" y="4517211"/>
             <a:ext cx="3272154" cy="239395"/>
           </a:xfrm>
           <a:prstGeom prst="rect">
@@ -10910,10 +11026,6 @@
               </a:rPr>
               <a:t>to</a:t>
             </a:r>
-            <a:endParaRPr sz="1400">
-              <a:latin typeface="Consolas"/>
-              <a:cs typeface="Consolas"/>
-            </a:endParaRPr>
           </a:p>
         </p:txBody>
       </p:sp>
@@ -11031,7 +11143,7 @@
         </p:nvSpPr>
         <p:spPr>
           <a:xfrm>
-            <a:off x="7234310" y="5158816"/>
+            <a:off x="4658359" y="5131568"/>
             <a:ext cx="3763645" cy="240029"/>
           </a:xfrm>
           <a:prstGeom prst="rect">
@@ -11101,10 +11213,6 @@
               </a:rPr>
               <a:t>with baud</a:t>
             </a:r>
-            <a:endParaRPr sz="1400">
-              <a:latin typeface="Consolas"/>
-              <a:cs typeface="Consolas"/>
-            </a:endParaRPr>
           </a:p>
         </p:txBody>
       </p:sp>
@@ -11191,7 +11299,7 @@
         </p:nvSpPr>
         <p:spPr>
           <a:xfrm>
-            <a:off x="7234800" y="5801055"/>
+            <a:off x="4602987" y="5801055"/>
             <a:ext cx="1993264" cy="452755"/>
           </a:xfrm>
           <a:prstGeom prst="rect">
@@ -11247,7 +11355,7 @@
               </a:rPr>
               <a:t>lcd</a:t>
             </a:r>
-            <a:endParaRPr sz="1400">
+            <a:endParaRPr sz="1400" dirty="0">
               <a:latin typeface="Consolas"/>
               <a:cs typeface="Consolas"/>
             </a:endParaRPr>
@@ -11307,7 +11415,7 @@
               </a:rPr>
               <a:t>lcd</a:t>
             </a:r>
-            <a:endParaRPr sz="1400">
+            <a:endParaRPr sz="1400" dirty="0">
               <a:latin typeface="Consolas"/>
               <a:cs typeface="Consolas"/>
             </a:endParaRPr>
@@ -11652,7 +11760,7 @@
         </p:nvSpPr>
         <p:spPr>
           <a:xfrm>
-            <a:off x="6136273" y="830326"/>
+            <a:off x="5053318" y="797468"/>
             <a:ext cx="4846955" cy="239395"/>
           </a:xfrm>
           <a:prstGeom prst="rect">
@@ -11778,10 +11886,6 @@
               </a:rPr>
               <a:t>in</a:t>
             </a:r>
-            <a:endParaRPr sz="1400">
-              <a:latin typeface="Consolas"/>
-              <a:cs typeface="Consolas"/>
-            </a:endParaRPr>
           </a:p>
         </p:txBody>
       </p:sp>
@@ -11871,7 +11975,7 @@
         </p:nvSpPr>
         <p:spPr>
           <a:xfrm>
-            <a:off x="6135994" y="1471930"/>
+            <a:off x="4876800" y="1515101"/>
             <a:ext cx="3764279" cy="452755"/>
           </a:xfrm>
           <a:prstGeom prst="rect">
@@ -11934,10 +12038,6 @@
               </a:rPr>
               <a:t>monitor</a:t>
             </a:r>
-            <a:endParaRPr sz="1400">
-              <a:latin typeface="Consolas"/>
-              <a:cs typeface="Consolas"/>
-            </a:endParaRPr>
           </a:p>
           <a:p>
             <a:pPr marL="12700">
@@ -12008,10 +12108,6 @@
               </a:rPr>
               <a:t>serial monitor</a:t>
             </a:r>
-            <a:endParaRPr sz="1400">
-              <a:latin typeface="Consolas"/>
-              <a:cs typeface="Consolas"/>
-            </a:endParaRPr>
           </a:p>
         </p:txBody>
       </p:sp>
@@ -12108,7 +12204,7 @@
         </p:nvSpPr>
         <p:spPr>
           <a:xfrm>
-            <a:off x="6136064" y="2112391"/>
+            <a:off x="4784342" y="2124543"/>
             <a:ext cx="4551680" cy="666115"/>
           </a:xfrm>
           <a:prstGeom prst="rect">
@@ -12262,10 +12358,6 @@
               </a:rPr>
               <a:t>column</a:t>
             </a:r>
-            <a:endParaRPr sz="1400">
-              <a:latin typeface="Consolas"/>
-              <a:cs typeface="Consolas"/>
-            </a:endParaRPr>
           </a:p>
           <a:p>
             <a:pPr marL="110489">
@@ -12336,10 +12428,6 @@
               </a:rPr>
               <a:t>lcd</a:t>
             </a:r>
-            <a:endParaRPr sz="1400">
-              <a:latin typeface="Consolas"/>
-              <a:cs typeface="Consolas"/>
-            </a:endParaRPr>
           </a:p>
           <a:p>
             <a:pPr marL="12700">
@@ -12410,10 +12498,6 @@
               </a:rPr>
               <a:t>MQ135</a:t>
             </a:r>
-            <a:endParaRPr sz="1400">
-              <a:latin typeface="Consolas"/>
-              <a:cs typeface="Consolas"/>
-            </a:endParaRPr>
           </a:p>
         </p:txBody>
       </p:sp>
@@ -12670,7 +12754,7 @@
         </p:nvSpPr>
         <p:spPr>
           <a:xfrm>
-            <a:off x="6136133" y="2965831"/>
+            <a:off x="4587492" y="2965831"/>
             <a:ext cx="4748530" cy="239395"/>
           </a:xfrm>
           <a:prstGeom prst="rect">
@@ -12782,10 +12866,6 @@
               </a:rPr>
               <a:t>not</a:t>
             </a:r>
-            <a:endParaRPr sz="1400">
-              <a:latin typeface="Consolas"/>
-              <a:cs typeface="Consolas"/>
-            </a:endParaRPr>
           </a:p>
         </p:txBody>
       </p:sp>
@@ -12797,7 +12877,7 @@
         </p:nvSpPr>
         <p:spPr>
           <a:xfrm>
-            <a:off x="6136300" y="3392551"/>
+            <a:off x="4984735" y="3422471"/>
             <a:ext cx="4355465" cy="239395"/>
           </a:xfrm>
           <a:prstGeom prst="rect">
@@ -12881,10 +12961,6 @@
               </a:rPr>
               <a:t>threshold</a:t>
             </a:r>
-            <a:endParaRPr sz="1400">
-              <a:latin typeface="Consolas"/>
-              <a:cs typeface="Consolas"/>
-            </a:endParaRPr>
           </a:p>
         </p:txBody>
       </p:sp>
@@ -12896,7 +12972,7 @@
         </p:nvSpPr>
         <p:spPr>
           <a:xfrm>
-            <a:off x="5742739" y="4032884"/>
+            <a:off x="4869426" y="4033551"/>
             <a:ext cx="1599565" cy="239395"/>
           </a:xfrm>
           <a:prstGeom prst="rect">
@@ -12952,10 +13028,6 @@
               </a:rPr>
               <a:t>Buzzer</a:t>
             </a:r>
-            <a:endParaRPr sz="1400">
-              <a:latin typeface="Consolas"/>
-              <a:cs typeface="Consolas"/>
-            </a:endParaRPr>
           </a:p>
         </p:txBody>
       </p:sp>
